--- a/slides/hex_indicator.pptx
+++ b/slides/hex_indicator.pptx
@@ -6,9 +6,7 @@
   </p:sldMasterIdLst>
   <p:sldIdLst>
     <p:sldId id="256" r:id="rId2"/>
-    <p:sldId id="257" r:id="rId3"/>
-    <p:sldId id="258" r:id="rId4"/>
-    <p:sldId id="259" r:id="rId5"/>
+    <p:sldId id="259" r:id="rId3"/>
   </p:sldIdLst>
   <p:sldSz cx="12192000" cy="6858000"/>
   <p:notesSz cx="6858000" cy="9144000"/>
@@ -107,6 +105,11 @@
       </a:defRPr>
     </a:lvl9pPr>
   </p:defaultTextStyle>
+  <p:extLst>
+    <p:ext uri="{EFAFB233-063F-42B5-8137-9DF3F51BA10A}">
+      <p15:sldGuideLst xmlns:p15="http://schemas.microsoft.com/office/powerpoint/2012/main"/>
+    </p:ext>
+  </p:extLst>
 </p:presentation>
 </file>
 
@@ -3467,285 +3470,6 @@
           <p:cNvPr id="2" name="Title 1">
             <a:extLst>
               <a:ext uri="{FF2B5EF4-FFF2-40B4-BE49-F238E27FC236}">
-                <a16:creationId xmlns:a16="http://schemas.microsoft.com/office/drawing/2014/main" id="{A299A04A-6548-87EF-B63A-19B9171BF4C9}"/>
-              </a:ext>
-            </a:extLst>
-          </p:cNvPr>
-          <p:cNvSpPr>
-            <a:spLocks noGrp="1"/>
-          </p:cNvSpPr>
-          <p:nvPr>
-            <p:ph type="title"/>
-          </p:nvPr>
-        </p:nvSpPr>
-        <p:spPr>
-          <a:xfrm>
-            <a:off x="838200" y="365125"/>
-            <a:ext cx="10515600" cy="851027"/>
-          </a:xfrm>
-        </p:spPr>
-        <p:txBody>
-          <a:bodyPr/>
-          <a:lstStyle/>
-          <a:p>
-            <a:r>
-              <a:rPr lang="en-US" dirty="0"/>
-              <a:t>“</a:t>
-            </a:r>
-            <a:r>
-              <a:rPr lang="ru-RU" dirty="0"/>
-              <a:t>Деление частоты</a:t>
-            </a:r>
-            <a:r>
-              <a:rPr lang="en-US" dirty="0"/>
-              <a:t>”</a:t>
-            </a:r>
-          </a:p>
-        </p:txBody>
-      </p:sp>
-      <p:pic>
-        <p:nvPicPr>
-          <p:cNvPr id="12" name="Picture 11">
-            <a:extLst>
-              <a:ext uri="{FF2B5EF4-FFF2-40B4-BE49-F238E27FC236}">
-                <a16:creationId xmlns:a16="http://schemas.microsoft.com/office/drawing/2014/main" id="{09D2AD6B-FE35-07CA-27CD-DF841B6D1DAF}"/>
-              </a:ext>
-            </a:extLst>
-          </p:cNvPr>
-          <p:cNvPicPr>
-            <a:picLocks noChangeAspect="1"/>
-          </p:cNvPicPr>
-          <p:nvPr/>
-        </p:nvPicPr>
-        <p:blipFill>
-          <a:blip r:embed="rId2"/>
-          <a:stretch>
-            <a:fillRect/>
-          </a:stretch>
-        </p:blipFill>
-        <p:spPr>
-          <a:xfrm>
-            <a:off x="838200" y="1638018"/>
-            <a:ext cx="10913529" cy="4959632"/>
-          </a:xfrm>
-          <a:prstGeom prst="rect">
-            <a:avLst/>
-          </a:prstGeom>
-        </p:spPr>
-      </p:pic>
-    </p:spTree>
-    <p:extLst>
-      <p:ext uri="{BB962C8B-B14F-4D97-AF65-F5344CB8AC3E}">
-        <p14:creationId xmlns:p14="http://schemas.microsoft.com/office/powerpoint/2010/main" val="2698126751"/>
-      </p:ext>
-    </p:extLst>
-  </p:cSld>
-  <p:clrMapOvr>
-    <a:masterClrMapping/>
-  </p:clrMapOvr>
-</p:sld>
-</file>
-
-<file path=ppt/slides/slide3.xml><?xml version="1.0" encoding="utf-8"?>
-<p:sld xmlns:a="http://schemas.openxmlformats.org/drawingml/2006/main" xmlns:r="http://schemas.openxmlformats.org/officeDocument/2006/relationships" xmlns:p="http://schemas.openxmlformats.org/presentationml/2006/main">
-  <p:cSld>
-    <p:spTree>
-      <p:nvGrpSpPr>
-        <p:cNvPr id="1" name=""/>
-        <p:cNvGrpSpPr/>
-        <p:nvPr/>
-      </p:nvGrpSpPr>
-      <p:grpSpPr>
-        <a:xfrm>
-          <a:off x="0" y="0"/>
-          <a:ext cx="0" cy="0"/>
-          <a:chOff x="0" y="0"/>
-          <a:chExt cx="0" cy="0"/>
-        </a:xfrm>
-      </p:grpSpPr>
-      <p:sp>
-        <p:nvSpPr>
-          <p:cNvPr id="2" name="Title 1">
-            <a:extLst>
-              <a:ext uri="{FF2B5EF4-FFF2-40B4-BE49-F238E27FC236}">
-                <a16:creationId xmlns:a16="http://schemas.microsoft.com/office/drawing/2014/main" id="{486E7A15-1EB0-2FF4-0AF9-CE515FF5BA33}"/>
-              </a:ext>
-            </a:extLst>
-          </p:cNvPr>
-          <p:cNvSpPr>
-            <a:spLocks noGrp="1"/>
-          </p:cNvSpPr>
-          <p:nvPr>
-            <p:ph type="title"/>
-          </p:nvPr>
-        </p:nvSpPr>
-        <p:spPr>
-          <a:xfrm>
-            <a:off x="638175" y="117476"/>
-            <a:ext cx="10515600" cy="882650"/>
-          </a:xfrm>
-        </p:spPr>
-        <p:txBody>
-          <a:bodyPr/>
-          <a:lstStyle/>
-          <a:p>
-            <a:r>
-              <a:rPr lang="ru-RU" dirty="0"/>
-              <a:t>Как стоит поступать в подобных случаях</a:t>
-            </a:r>
-            <a:endParaRPr lang="en-US" dirty="0"/>
-          </a:p>
-        </p:txBody>
-      </p:sp>
-      <p:pic>
-        <p:nvPicPr>
-          <p:cNvPr id="5" name="Picture 4">
-            <a:extLst>
-              <a:ext uri="{FF2B5EF4-FFF2-40B4-BE49-F238E27FC236}">
-                <a16:creationId xmlns:a16="http://schemas.microsoft.com/office/drawing/2014/main" id="{579C8B7C-8160-5D75-DE0D-713120D71C3A}"/>
-              </a:ext>
-            </a:extLst>
-          </p:cNvPr>
-          <p:cNvPicPr>
-            <a:picLocks noChangeAspect="1"/>
-          </p:cNvPicPr>
-          <p:nvPr/>
-        </p:nvPicPr>
-        <p:blipFill>
-          <a:blip r:embed="rId2"/>
-          <a:stretch>
-            <a:fillRect/>
-          </a:stretch>
-        </p:blipFill>
-        <p:spPr>
-          <a:xfrm>
-            <a:off x="638175" y="1134589"/>
-            <a:ext cx="10145748" cy="4762499"/>
-          </a:xfrm>
-          <a:prstGeom prst="rect">
-            <a:avLst/>
-          </a:prstGeom>
-        </p:spPr>
-      </p:pic>
-      <p:pic>
-        <p:nvPicPr>
-          <p:cNvPr id="7" name="Picture 6">
-            <a:extLst>
-              <a:ext uri="{FF2B5EF4-FFF2-40B4-BE49-F238E27FC236}">
-                <a16:creationId xmlns:a16="http://schemas.microsoft.com/office/drawing/2014/main" id="{28871C47-6D63-62DE-2E1D-AA71F5BD799D}"/>
-              </a:ext>
-            </a:extLst>
-          </p:cNvPr>
-          <p:cNvPicPr>
-            <a:picLocks noChangeAspect="1"/>
-          </p:cNvPicPr>
-          <p:nvPr/>
-        </p:nvPicPr>
-        <p:blipFill>
-          <a:blip r:embed="rId3"/>
-          <a:stretch>
-            <a:fillRect/>
-          </a:stretch>
-        </p:blipFill>
-        <p:spPr>
-          <a:xfrm>
-            <a:off x="1" y="6031552"/>
-            <a:ext cx="12192000" cy="708972"/>
-          </a:xfrm>
-          <a:prstGeom prst="rect">
-            <a:avLst/>
-          </a:prstGeom>
-        </p:spPr>
-      </p:pic>
-      <p:sp>
-        <p:nvSpPr>
-          <p:cNvPr id="8" name="Rectangle 7">
-            <a:extLst>
-              <a:ext uri="{FF2B5EF4-FFF2-40B4-BE49-F238E27FC236}">
-                <a16:creationId xmlns:a16="http://schemas.microsoft.com/office/drawing/2014/main" id="{F5D70160-4A5D-6884-A3EB-6D1E58D39E8B}"/>
-              </a:ext>
-            </a:extLst>
-          </p:cNvPr>
-          <p:cNvSpPr/>
-          <p:nvPr/>
-        </p:nvSpPr>
-        <p:spPr>
-          <a:xfrm>
-            <a:off x="752475" y="1000126"/>
-            <a:ext cx="2266950" cy="638174"/>
-          </a:xfrm>
-          <a:prstGeom prst="rect">
-            <a:avLst/>
-          </a:prstGeom>
-          <a:solidFill>
-            <a:schemeClr val="bg1"/>
-          </a:solidFill>
-          <a:ln>
-            <a:solidFill>
-              <a:schemeClr val="bg1"/>
-            </a:solidFill>
-          </a:ln>
-        </p:spPr>
-        <p:style>
-          <a:lnRef idx="2">
-            <a:schemeClr val="accent1">
-              <a:shade val="15000"/>
-            </a:schemeClr>
-          </a:lnRef>
-          <a:fillRef idx="1">
-            <a:schemeClr val="accent1"/>
-          </a:fillRef>
-          <a:effectRef idx="0">
-            <a:schemeClr val="accent1"/>
-          </a:effectRef>
-          <a:fontRef idx="minor">
-            <a:schemeClr val="lt1"/>
-          </a:fontRef>
-        </p:style>
-        <p:txBody>
-          <a:bodyPr rtlCol="0" anchor="ctr"/>
-          <a:lstStyle/>
-          <a:p>
-            <a:pPr algn="ctr"/>
-            <a:endParaRPr lang="en-US"/>
-          </a:p>
-        </p:txBody>
-      </p:sp>
-    </p:spTree>
-    <p:extLst>
-      <p:ext uri="{BB962C8B-B14F-4D97-AF65-F5344CB8AC3E}">
-        <p14:creationId xmlns:p14="http://schemas.microsoft.com/office/powerpoint/2010/main" val="1876728394"/>
-      </p:ext>
-    </p:extLst>
-  </p:cSld>
-  <p:clrMapOvr>
-    <a:masterClrMapping/>
-  </p:clrMapOvr>
-</p:sld>
-</file>
-
-<file path=ppt/slides/slide4.xml><?xml version="1.0" encoding="utf-8"?>
-<p:sld xmlns:a="http://schemas.openxmlformats.org/drawingml/2006/main" xmlns:r="http://schemas.openxmlformats.org/officeDocument/2006/relationships" xmlns:p="http://schemas.openxmlformats.org/presentationml/2006/main">
-  <p:cSld>
-    <p:spTree>
-      <p:nvGrpSpPr>
-        <p:cNvPr id="1" name=""/>
-        <p:cNvGrpSpPr/>
-        <p:nvPr/>
-      </p:nvGrpSpPr>
-      <p:grpSpPr>
-        <a:xfrm>
-          <a:off x="0" y="0"/>
-          <a:ext cx="0" cy="0"/>
-          <a:chOff x="0" y="0"/>
-          <a:chExt cx="0" cy="0"/>
-        </a:xfrm>
-      </p:grpSpPr>
-      <p:sp>
-        <p:nvSpPr>
-          <p:cNvPr id="2" name="Title 1">
-            <a:extLst>
-              <a:ext uri="{FF2B5EF4-FFF2-40B4-BE49-F238E27FC236}">
                 <a16:creationId xmlns:a16="http://schemas.microsoft.com/office/drawing/2014/main" id="{A63E9C9D-3E6D-2968-1923-38F9BEB9574F}"/>
               </a:ext>
             </a:extLst>
